--- a/PPT/2- Secure Remote Control Introduction v1.pptx
+++ b/PPT/2- Secure Remote Control Introduction v1.pptx
@@ -242,7 +242,7 @@
             <a:fld id="{A57CD062-9CC2-45FC-ACDB-9B14191818BF}" type="datetimeFigureOut">
               <a:rPr lang="zh-TW" altLang="en-US" smtClean="0"/>
               <a:pPr/>
-              <a:t>2018/6/29</a:t>
+              <a:t>2018/7/27</a:t>
             </a:fld>
             <a:endParaRPr lang="zh-TW" altLang="en-US"/>
           </a:p>
@@ -769,6 +769,132 @@
 </p:notes>
 </file>
 
+<file path=ppt/notesSlides/notesSlide4.xml><?xml version="1.0" encoding="utf-8"?>
+<p:notes xmlns:a="http://schemas.openxmlformats.org/drawingml/2006/main" xmlns:r="http://schemas.openxmlformats.org/officeDocument/2006/relationships" xmlns:p="http://schemas.openxmlformats.org/presentationml/2006/main">
+  <p:cSld>
+    <p:spTree>
+      <p:nvGrpSpPr>
+        <p:cNvPr id="1" name=""/>
+        <p:cNvGrpSpPr/>
+        <p:nvPr/>
+      </p:nvGrpSpPr>
+      <p:grpSpPr>
+        <a:xfrm>
+          <a:off x="0" y="0"/>
+          <a:ext cx="0" cy="0"/>
+          <a:chOff x="0" y="0"/>
+          <a:chExt cx="0" cy="0"/>
+        </a:xfrm>
+      </p:grpSpPr>
+      <p:sp>
+        <p:nvSpPr>
+          <p:cNvPr id="2" name="投影片圖像版面配置區 1"/>
+          <p:cNvSpPr>
+            <a:spLocks noGrp="1" noRot="1" noChangeAspect="1"/>
+          </p:cNvSpPr>
+          <p:nvPr>
+            <p:ph type="sldImg"/>
+          </p:nvPr>
+        </p:nvSpPr>
+        <p:spPr/>
+      </p:sp>
+      <p:sp>
+        <p:nvSpPr>
+          <p:cNvPr id="3" name="備忘稿版面配置區 2"/>
+          <p:cNvSpPr>
+            <a:spLocks noGrp="1"/>
+          </p:cNvSpPr>
+          <p:nvPr>
+            <p:ph type="body" idx="1"/>
+          </p:nvPr>
+        </p:nvSpPr>
+        <p:spPr/>
+        <p:txBody>
+          <a:bodyPr/>
+          <a:lstStyle/>
+          <a:p>
+            <a:r>
+              <a:rPr lang="en-US" altLang="zh-TW" dirty="0" err="1" smtClean="0"/>
+              <a:t>Github</a:t>
+            </a:r>
+            <a:r>
+              <a:rPr lang="en-US" altLang="zh-TW" dirty="0" smtClean="0"/>
+              <a:t>: </a:t>
+            </a:r>
+          </a:p>
+          <a:p>
+            <a:r>
+              <a:rPr lang="en-US" altLang="zh-TW" dirty="0" smtClean="0"/>
+              <a:t>https://github.com/marten619/RemoteController </a:t>
+            </a:r>
+          </a:p>
+          <a:p>
+            <a:endParaRPr lang="en-US" altLang="zh-TW" dirty="0" smtClean="0"/>
+          </a:p>
+          <a:p>
+            <a:r>
+              <a:rPr lang="zh-TW" altLang="en-US" dirty="0" smtClean="0"/>
+              <a:t>介紹影片：</a:t>
+            </a:r>
+          </a:p>
+          <a:p>
+            <a:r>
+              <a:rPr lang="en-US" altLang="zh-TW" dirty="0" smtClean="0"/>
+              <a:t>https://youtu.be/E1CEQ3T0k3I</a:t>
+            </a:r>
+          </a:p>
+          <a:p>
+            <a:r>
+              <a:rPr lang="en-US" altLang="zh-TW" dirty="0" smtClean="0"/>
+              <a:t>https://youtu.be/AgV3q36lbQA</a:t>
+            </a:r>
+          </a:p>
+          <a:p>
+            <a:r>
+              <a:rPr lang="en-US" altLang="zh-TW" dirty="0" smtClean="0"/>
+              <a:t>https://youtu.be/4fpW_bkqgPE	</a:t>
+            </a:r>
+            <a:endParaRPr lang="zh-TW" altLang="en-US" dirty="0"/>
+          </a:p>
+        </p:txBody>
+      </p:sp>
+      <p:sp>
+        <p:nvSpPr>
+          <p:cNvPr id="4" name="投影片編號版面配置區 3"/>
+          <p:cNvSpPr>
+            <a:spLocks noGrp="1"/>
+          </p:cNvSpPr>
+          <p:nvPr>
+            <p:ph type="sldNum" sz="quarter" idx="10"/>
+          </p:nvPr>
+        </p:nvSpPr>
+        <p:spPr/>
+        <p:txBody>
+          <a:bodyPr/>
+          <a:lstStyle/>
+          <a:p>
+            <a:fld id="{B5145D23-0437-467E-B797-0DCB5FD3CB26}" type="slidenum">
+              <a:rPr lang="zh-TW" altLang="en-US" smtClean="0"/>
+              <a:pPr/>
+              <a:t>11</a:t>
+            </a:fld>
+            <a:endParaRPr lang="zh-TW" altLang="en-US"/>
+          </a:p>
+        </p:txBody>
+      </p:sp>
+    </p:spTree>
+    <p:extLst>
+      <p:ext uri="{BB962C8B-B14F-4D97-AF65-F5344CB8AC3E}">
+        <p14:creationId xmlns:p14="http://schemas.microsoft.com/office/powerpoint/2010/main" val="2190610642"/>
+      </p:ext>
+    </p:extLst>
+  </p:cSld>
+  <p:clrMapOvr>
+    <a:masterClrMapping/>
+  </p:clrMapOvr>
+</p:notes>
+</file>
+
 <file path=ppt/slideLayouts/slideLayout1.xml><?xml version="1.0" encoding="utf-8"?>
 <p:sldLayout xmlns:a="http://schemas.openxmlformats.org/drawingml/2006/main" xmlns:r="http://schemas.openxmlformats.org/officeDocument/2006/relationships" xmlns:p="http://schemas.openxmlformats.org/presentationml/2006/main" type="title" preserve="1">
   <p:cSld name="標題投影片">
@@ -951,7 +1077,7 @@
             <a:fld id="{066431C2-8132-4A04-A809-72FA6FA5F66A}" type="datetime1">
               <a:rPr lang="zh-TW" altLang="en-US" smtClean="0"/>
               <a:pPr/>
-              <a:t>2018/6/29</a:t>
+              <a:t>2018/7/27</a:t>
             </a:fld>
             <a:endParaRPr lang="zh-TW" altLang="en-US"/>
           </a:p>
@@ -1118,7 +1244,7 @@
             <a:fld id="{5CE804C3-F941-49B9-A108-89C779B119E2}" type="datetime1">
               <a:rPr lang="zh-TW" altLang="en-US" smtClean="0"/>
               <a:pPr/>
-              <a:t>2018/6/29</a:t>
+              <a:t>2018/7/27</a:t>
             </a:fld>
             <a:endParaRPr lang="zh-TW" altLang="en-US"/>
           </a:p>
@@ -1295,7 +1421,7 @@
             <a:fld id="{7248364F-DAE5-4F4C-8292-CF20691704F5}" type="datetime1">
               <a:rPr lang="zh-TW" altLang="en-US" smtClean="0"/>
               <a:pPr/>
-              <a:t>2018/6/29</a:t>
+              <a:t>2018/7/27</a:t>
             </a:fld>
             <a:endParaRPr lang="zh-TW" altLang="en-US"/>
           </a:p>
@@ -1969,7 +2095,7 @@
             <a:fld id="{360D7014-79CF-40A0-92F4-40DB76E68434}" type="datetime1">
               <a:rPr lang="zh-TW" altLang="en-US" smtClean="0"/>
               <a:pPr/>
-              <a:t>2018/6/29</a:t>
+              <a:t>2018/7/27</a:t>
             </a:fld>
             <a:endParaRPr lang="zh-TW" altLang="en-US"/>
           </a:p>
@@ -2254,7 +2380,7 @@
             <a:fld id="{8961B88D-CEB4-47B6-AF52-D53E3F18C35A}" type="datetime1">
               <a:rPr lang="zh-TW" altLang="en-US" smtClean="0"/>
               <a:pPr/>
-              <a:t>2018/6/29</a:t>
+              <a:t>2018/7/27</a:t>
             </a:fld>
             <a:endParaRPr lang="zh-TW" altLang="en-US"/>
           </a:p>
@@ -2673,7 +2799,7 @@
             <a:fld id="{5311C86B-7B0D-45CB-9285-00E7C10EE431}" type="datetime1">
               <a:rPr lang="zh-TW" altLang="en-US" smtClean="0"/>
               <a:pPr/>
-              <a:t>2018/6/29</a:t>
+              <a:t>2018/7/27</a:t>
             </a:fld>
             <a:endParaRPr lang="zh-TW" altLang="en-US"/>
           </a:p>
@@ -2788,7 +2914,7 @@
             <a:fld id="{4EAECFA8-7EF3-4ED4-8BFD-0445F85A16DE}" type="datetime1">
               <a:rPr lang="zh-TW" altLang="en-US" smtClean="0"/>
               <a:pPr/>
-              <a:t>2018/6/29</a:t>
+              <a:t>2018/7/27</a:t>
             </a:fld>
             <a:endParaRPr lang="zh-TW" altLang="en-US"/>
           </a:p>
@@ -2880,7 +3006,7 @@
             <a:fld id="{276D4787-2C46-42B8-8B68-022E83DC0F9E}" type="datetime1">
               <a:rPr lang="zh-TW" altLang="en-US" smtClean="0"/>
               <a:pPr/>
-              <a:t>2018/6/29</a:t>
+              <a:t>2018/7/27</a:t>
             </a:fld>
             <a:endParaRPr lang="zh-TW" altLang="en-US"/>
           </a:p>
@@ -3154,7 +3280,7 @@
             <a:fld id="{09F88BBB-CAC6-45C2-A1CF-6DCF8C99A955}" type="datetime1">
               <a:rPr lang="zh-TW" altLang="en-US" smtClean="0"/>
               <a:pPr/>
-              <a:t>2018/6/29</a:t>
+              <a:t>2018/7/27</a:t>
             </a:fld>
             <a:endParaRPr lang="zh-TW" altLang="en-US"/>
           </a:p>
@@ -3404,7 +3530,7 @@
             <a:fld id="{03D2DB40-0C4F-44F0-AC78-53F51948F6AD}" type="datetime1">
               <a:rPr lang="zh-TW" altLang="en-US" smtClean="0"/>
               <a:pPr/>
-              <a:t>2018/6/29</a:t>
+              <a:t>2018/7/27</a:t>
             </a:fld>
             <a:endParaRPr lang="zh-TW" altLang="en-US"/>
           </a:p>
@@ -3616,7 +3742,7 @@
             <a:fld id="{2577050F-4F01-4466-8C91-9E97F67BDCDB}" type="datetime1">
               <a:rPr lang="zh-TW" altLang="en-US" smtClean="0"/>
               <a:pPr/>
-              <a:t>2018/6/29</a:t>
+              <a:t>2018/7/27</a:t>
             </a:fld>
             <a:endParaRPr lang="zh-TW" altLang="en-US" dirty="0"/>
           </a:p>
@@ -4349,7 +4475,7 @@
         <p:spPr>
           <a:xfrm>
             <a:off x="251520" y="1550785"/>
-            <a:ext cx="8435280" cy="830997"/>
+            <a:ext cx="8435280" cy="3970318"/>
           </a:xfrm>
           <a:prstGeom prst="rect">
             <a:avLst/>
@@ -4361,18 +4487,85 @@
           </a:bodyPr>
           <a:lstStyle/>
           <a:p>
-            <a:pPr marL="342900" indent="-342900">
-              <a:buFont typeface="Arial" panose="020B0604020202020204" pitchFamily="34" charset="0"/>
-              <a:buChar char="•"/>
-            </a:pPr>
-            <a:r>
-              <a:rPr lang="en-US" altLang="zh-TW" sz="2400" dirty="0" smtClean="0"/>
-              <a:t> </a:t>
-            </a:r>
-            <a:endParaRPr lang="en-US" altLang="zh-TW" sz="2400" dirty="0"/>
-          </a:p>
-          <a:p>
-            <a:endParaRPr lang="zh-TW" altLang="en-US" sz="2400" dirty="0"/>
+            <a:r>
+              <a:rPr lang="en-US" altLang="zh-TW" sz="2800" dirty="0" smtClean="0"/>
+              <a:t>1. What is hopping code</a:t>
+            </a:r>
+          </a:p>
+          <a:p>
+            <a:r>
+              <a:rPr lang="en-US" altLang="zh-TW" sz="2800" dirty="0" smtClean="0"/>
+              <a:t>	</a:t>
+            </a:r>
+            <a:r>
+              <a:rPr lang="en-US" altLang="zh-TW" sz="2800" dirty="0">
+                <a:hlinkClick r:id="rId3"/>
+              </a:rPr>
+              <a:t>https://</a:t>
+            </a:r>
+            <a:r>
+              <a:rPr lang="en-US" altLang="zh-TW" sz="2800" dirty="0" smtClean="0">
+                <a:hlinkClick r:id="rId3"/>
+              </a:rPr>
+              <a:t>youtu.be/E1CEQ3T0k3I</a:t>
+            </a:r>
+            <a:endParaRPr lang="en-US" altLang="zh-TW" sz="2800" dirty="0" smtClean="0"/>
+          </a:p>
+          <a:p>
+            <a:endParaRPr lang="en-US" altLang="zh-TW" sz="2800" dirty="0" smtClean="0"/>
+          </a:p>
+          <a:p>
+            <a:r>
+              <a:rPr lang="en-US" altLang="zh-TW" sz="2800" dirty="0" smtClean="0"/>
+              <a:t>2. Secure Remote Control Introduction Part 1</a:t>
+            </a:r>
+          </a:p>
+          <a:p>
+            <a:r>
+              <a:rPr lang="en-US" altLang="zh-TW" sz="2800" dirty="0" smtClean="0"/>
+              <a:t>	</a:t>
+            </a:r>
+            <a:r>
+              <a:rPr lang="en-US" altLang="zh-TW" sz="2800" dirty="0">
+                <a:hlinkClick r:id="rId4"/>
+              </a:rPr>
+              <a:t>https://youtu.be/AgV3q36lbQA</a:t>
+            </a:r>
+            <a:endParaRPr lang="en-US" altLang="zh-TW" sz="2800" dirty="0"/>
+          </a:p>
+          <a:p>
+            <a:endParaRPr lang="en-US" altLang="zh-TW" sz="2800" dirty="0"/>
+          </a:p>
+          <a:p>
+            <a:r>
+              <a:rPr lang="en-US" altLang="zh-TW" sz="2800" dirty="0" smtClean="0"/>
+              <a:t>3. Secure </a:t>
+            </a:r>
+            <a:r>
+              <a:rPr lang="en-US" altLang="zh-TW" sz="2800" dirty="0"/>
+              <a:t>Remote Control Introduction Part </a:t>
+            </a:r>
+            <a:r>
+              <a:rPr lang="en-US" altLang="zh-TW" sz="2800" dirty="0" smtClean="0"/>
+              <a:t>2</a:t>
+            </a:r>
+            <a:endParaRPr lang="en-US" altLang="zh-TW" sz="2800" dirty="0"/>
+          </a:p>
+          <a:p>
+            <a:r>
+              <a:rPr lang="en-US" altLang="zh-TW" sz="2800" dirty="0" smtClean="0"/>
+              <a:t>	</a:t>
+            </a:r>
+            <a:r>
+              <a:rPr lang="en-US" altLang="zh-TW" sz="2800" dirty="0">
+                <a:hlinkClick r:id="rId5"/>
+              </a:rPr>
+              <a:t>https://youtu.be/4fpW_bkqgPE</a:t>
+            </a:r>
+            <a:endParaRPr lang="en-US" altLang="zh-TW" sz="2800" dirty="0"/>
+          </a:p>
+          <a:p>
+            <a:endParaRPr lang="en-US" altLang="zh-TW" sz="2800" dirty="0"/>
           </a:p>
         </p:txBody>
       </p:sp>
@@ -4476,7 +4669,7 @@
         <p:spPr>
           <a:xfrm>
             <a:off x="251520" y="1550785"/>
-            <a:ext cx="8435280" cy="830997"/>
+            <a:ext cx="8435280" cy="5447645"/>
           </a:xfrm>
           <a:prstGeom prst="rect">
             <a:avLst/>
@@ -4488,13 +4681,137 @@
           </a:bodyPr>
           <a:lstStyle/>
           <a:p>
-            <a:pPr marL="342900" indent="-342900">
-              <a:buFont typeface="Arial" panose="020B0604020202020204" pitchFamily="34" charset="0"/>
-              <a:buChar char="•"/>
-            </a:pPr>
+            <a:r>
+              <a:rPr lang="en-US" altLang="zh-TW" sz="2800" dirty="0" smtClean="0"/>
+              <a:t>[</a:t>
+            </a:r>
+            <a:r>
+              <a:rPr lang="en-US" altLang="zh-TW" sz="2800" dirty="0" err="1" smtClean="0"/>
+              <a:t>Github</a:t>
+            </a:r>
+            <a:r>
+              <a:rPr lang="en-US" altLang="zh-TW" sz="2800" dirty="0" smtClean="0"/>
+              <a:t>] </a:t>
+            </a:r>
+          </a:p>
+          <a:p>
+            <a:r>
+              <a:rPr lang="en-US" altLang="zh-TW" sz="2800" dirty="0" smtClean="0">
+                <a:hlinkClick r:id="rId2"/>
+              </a:rPr>
+              <a:t>https</a:t>
+            </a:r>
+            <a:r>
+              <a:rPr lang="en-US" altLang="zh-TW" sz="2800" dirty="0">
+                <a:hlinkClick r:id="rId2"/>
+              </a:rPr>
+              <a:t>://</a:t>
+            </a:r>
+            <a:r>
+              <a:rPr lang="en-US" altLang="zh-TW" sz="2800" dirty="0" smtClean="0">
+                <a:hlinkClick r:id="rId2"/>
+              </a:rPr>
+              <a:t>github.com/marten619/RemoteController</a:t>
+            </a:r>
+            <a:endParaRPr lang="en-US" altLang="zh-TW" sz="2800" dirty="0" smtClean="0"/>
+          </a:p>
+          <a:p>
+            <a:r>
+              <a:rPr lang="en-US" altLang="zh-TW" sz="2800" dirty="0" smtClean="0"/>
+              <a:t> </a:t>
+            </a:r>
+          </a:p>
+          <a:p>
             <a:r>
               <a:rPr lang="en-US" altLang="zh-TW" sz="2400" dirty="0" smtClean="0"/>
-              <a:t> </a:t>
+              <a:t>Directory</a:t>
+            </a:r>
+            <a:endParaRPr lang="en-US" altLang="zh-TW" sz="2400" dirty="0"/>
+          </a:p>
+          <a:p>
+            <a:r>
+              <a:rPr lang="en-US" altLang="zh-TW" sz="2400" dirty="0"/>
+              <a:t>[datasheet]			</a:t>
+            </a:r>
+            <a:r>
+              <a:rPr lang="en-US" altLang="zh-TW" sz="2400" dirty="0" smtClean="0"/>
+              <a:t>Component's </a:t>
+            </a:r>
+            <a:r>
+              <a:rPr lang="en-US" altLang="zh-TW" sz="2400" dirty="0"/>
+              <a:t>datasheet</a:t>
+            </a:r>
+          </a:p>
+          <a:p>
+            <a:r>
+              <a:rPr lang="en-US" altLang="zh-TW" sz="2400" dirty="0"/>
+              <a:t>[design document]		Algorithm &amp; Structure define</a:t>
+            </a:r>
+          </a:p>
+          <a:p>
+            <a:r>
+              <a:rPr lang="en-US" altLang="zh-TW" sz="2400" dirty="0"/>
+              <a:t>[HW design]			</a:t>
+            </a:r>
+            <a:r>
+              <a:rPr lang="en-US" altLang="zh-TW" sz="2400" dirty="0" smtClean="0"/>
+              <a:t>SCH</a:t>
+            </a:r>
+            <a:r>
+              <a:rPr lang="en-US" altLang="zh-TW" sz="2400" dirty="0"/>
+              <a:t>, PCB, BOM ...</a:t>
+            </a:r>
+          </a:p>
+          <a:p>
+            <a:r>
+              <a:rPr lang="en-US" altLang="zh-TW" sz="2400" dirty="0"/>
+              <a:t>[Knowledge]			</a:t>
+            </a:r>
+            <a:r>
+              <a:rPr lang="en-US" altLang="zh-TW" sz="2400" dirty="0" smtClean="0"/>
+              <a:t>Something </a:t>
+            </a:r>
+            <a:r>
+              <a:rPr lang="en-US" altLang="zh-TW" sz="2400" dirty="0"/>
+              <a:t>you should know </a:t>
+            </a:r>
+          </a:p>
+          <a:p>
+            <a:r>
+              <a:rPr lang="en-US" altLang="zh-TW" sz="2400" dirty="0"/>
+              <a:t>[PPT]				</a:t>
+            </a:r>
+            <a:r>
+              <a:rPr lang="en-US" altLang="zh-TW" sz="2400" dirty="0" smtClean="0"/>
+              <a:t>Get </a:t>
+            </a:r>
+            <a:r>
+              <a:rPr lang="en-US" altLang="zh-TW" sz="2400" dirty="0"/>
+              <a:t>start from here</a:t>
+            </a:r>
+          </a:p>
+          <a:p>
+            <a:r>
+              <a:rPr lang="en-US" altLang="zh-TW" sz="2400" dirty="0"/>
+              <a:t>[Source codes]			A9112 MCU source codes, include </a:t>
+            </a:r>
+            <a:r>
+              <a:rPr lang="en-US" altLang="zh-TW" sz="2400" dirty="0" smtClean="0"/>
+              <a:t>					Host </a:t>
+            </a:r>
+            <a:r>
+              <a:rPr lang="en-US" altLang="zh-TW" sz="2400" dirty="0"/>
+              <a:t>&amp; FOB</a:t>
+            </a:r>
+          </a:p>
+          <a:p>
+            <a:endParaRPr lang="en-US" altLang="zh-TW" sz="2400" dirty="0"/>
+          </a:p>
+          <a:p>
+            <a:pPr algn="ctr"/>
+            <a:r>
+              <a:rPr lang="en-US" altLang="zh-TW" sz="2400" dirty="0" smtClean="0"/>
+              <a:t>Marten@2018/6/29, marten619@gmail.com </a:t>
             </a:r>
             <a:endParaRPr lang="en-US" altLang="zh-TW" sz="2400" dirty="0"/>
           </a:p>
@@ -5305,11 +5622,7 @@
           <a:p>
             <a:r>
               <a:rPr lang="en-US" altLang="zh-TW" b="1" dirty="0" smtClean="0"/>
-              <a:t>Crypto IC </a:t>
-            </a:r>
-            <a:r>
-              <a:rPr lang="en-US" altLang="zh-TW" b="1" dirty="0" smtClean="0"/>
-              <a:t>Datasheet</a:t>
+              <a:t>Crypto IC Datasheet</a:t>
             </a:r>
             <a:endParaRPr lang="zh-TW" altLang="en-US" b="1" dirty="0"/>
           </a:p>
@@ -6250,13 +6563,8 @@
           <a:p>
             <a:r>
               <a:rPr lang="en-US" altLang="zh-TW" sz="3200" dirty="0" smtClean="0"/>
-              <a:t>HW </a:t>
-            </a:r>
-            <a:r>
-              <a:rPr lang="en-US" altLang="zh-TW" sz="3200" dirty="0" smtClean="0"/>
-              <a:t>Design Files</a:t>
-            </a:r>
-            <a:endParaRPr lang="en-US" altLang="zh-TW" sz="3200" dirty="0" smtClean="0"/>
+              <a:t>HW Design Files</a:t>
+            </a:r>
           </a:p>
           <a:p>
             <a:pPr marL="800100" lvl="1" indent="-342900">
@@ -6301,7 +6609,6 @@
               <a:rPr lang="en-US" altLang="zh-TW" sz="3200" dirty="0" smtClean="0"/>
               <a:t>Introduce video (But in Chinese)</a:t>
             </a:r>
-            <a:endParaRPr lang="en-US" altLang="zh-TW" sz="3200" dirty="0" smtClean="0"/>
           </a:p>
           <a:p>
             <a:pPr marL="800100" lvl="1" indent="-342900">
@@ -6572,9 +6879,6 @@
               </a:rPr>
               <a:t>EEPROM: Microchip 24AA16</a:t>
             </a:r>
-            <a:endParaRPr lang="en-US" altLang="zh-TW" sz="2400" dirty="0" smtClean="0">
-              <a:latin typeface="Arial" panose="020B0604020202020204" pitchFamily="34" charset="0"/>
-            </a:endParaRPr>
           </a:p>
         </p:txBody>
       </p:sp>
